--- a/wps/word/09查找替换考点/查找替换考点.pptx
+++ b/wps/word/09查找替换考点/查找替换考点.pptx
@@ -3591,72 +3591,6 @@
           </a:p>
         </p:txBody>
       </p:sp>
-      <p:sp>
-        <p:nvSpPr>
-          <p:cNvPr id="4" name="文本框 3"/>
-          <p:cNvSpPr txBox="1"/>
-          <p:nvPr/>
-        </p:nvSpPr>
-        <p:spPr>
-          <a:xfrm>
-            <a:off x="1224915" y="5241290"/>
-            <a:ext cx="4424609" cy="646331"/>
-          </a:xfrm>
-          <a:prstGeom prst="rect">
-            <a:avLst/>
-          </a:prstGeom>
-          <a:noFill/>
-        </p:spPr>
-        <p:txBody>
-          <a:bodyPr wrap="none" rtlCol="0">
-            <a:spAutoFit/>
-          </a:bodyPr>
-          <a:lstStyle/>
-          <a:p>
-            <a:pPr algn="l"/>
-            <a:r>
-              <a:rPr lang="zh-CN" altLang="en-US" dirty="0">
-                <a:sym typeface="+mn-ea"/>
-              </a:rPr>
-              <a:t>备注</a:t>
-            </a:r>
-            <a:r>
-              <a:rPr lang="zh-CN" altLang="en-US" dirty="0" smtClean="0">
-                <a:sym typeface="+mn-ea"/>
-              </a:rPr>
-              <a:t>：来源于阿福课堂二级</a:t>
-            </a:r>
-            <a:r>
-              <a:rPr lang="en-US" altLang="zh-CN" dirty="0" smtClean="0">
-                <a:sym typeface="+mn-ea"/>
-              </a:rPr>
-              <a:t>WPS</a:t>
-            </a:r>
-            <a:r>
-              <a:rPr lang="zh-CN" altLang="en-US" dirty="0" smtClean="0">
-                <a:sym typeface="+mn-ea"/>
-              </a:rPr>
-              <a:t>题库第</a:t>
-            </a:r>
-            <a:r>
-              <a:rPr lang="en-US" altLang="zh-CN" dirty="0" smtClean="0">
-                <a:sym typeface="+mn-ea"/>
-              </a:rPr>
-              <a:t>6</a:t>
-            </a:r>
-            <a:r>
-              <a:rPr lang="zh-CN" altLang="en-US" dirty="0" smtClean="0">
-                <a:sym typeface="+mn-ea"/>
-              </a:rPr>
-              <a:t>套</a:t>
-            </a:r>
-            <a:endParaRPr lang="en-US" altLang="zh-CN" dirty="0"/>
-          </a:p>
-          <a:p>
-            <a:endParaRPr lang="zh-CN" altLang="en-US" dirty="0"/>
-          </a:p>
-        </p:txBody>
-      </p:sp>
     </p:spTree>
   </p:cSld>
   <p:clrMapOvr>
